--- a/Meilenstein 3/Präsentation/Präsentation MS3.pptx
+++ b/Meilenstein 3/Präsentation/Präsentation MS3.pptx
@@ -5,12 +5,27 @@
     <p:sldMasterId id="2147483756" r:id="rId1"/>
   </p:sldMasterIdLst>
   <p:notesMasterIdLst>
-    <p:notesMasterId r:id="rId5"/>
+    <p:notesMasterId r:id="rId20"/>
   </p:notesMasterIdLst>
   <p:sldIdLst>
-    <p:sldId id="274" r:id="rId2"/>
-    <p:sldId id="276" r:id="rId3"/>
-    <p:sldId id="275" r:id="rId4"/>
+    <p:sldId id="256" r:id="rId2"/>
+    <p:sldId id="259" r:id="rId3"/>
+    <p:sldId id="265" r:id="rId4"/>
+    <p:sldId id="282" r:id="rId5"/>
+    <p:sldId id="283" r:id="rId6"/>
+    <p:sldId id="292" r:id="rId7"/>
+    <p:sldId id="284" r:id="rId8"/>
+    <p:sldId id="288" r:id="rId9"/>
+    <p:sldId id="291" r:id="rId10"/>
+    <p:sldId id="285" r:id="rId11"/>
+    <p:sldId id="289" r:id="rId12"/>
+    <p:sldId id="293" r:id="rId13"/>
+    <p:sldId id="274" r:id="rId14"/>
+    <p:sldId id="276" r:id="rId15"/>
+    <p:sldId id="290" r:id="rId16"/>
+    <p:sldId id="294" r:id="rId17"/>
+    <p:sldId id="275" r:id="rId18"/>
+    <p:sldId id="295" r:id="rId19"/>
   </p:sldIdLst>
   <p:sldSz cx="12192000" cy="6858000"/>
   <p:notesSz cx="6858000" cy="9144000"/>
@@ -3787,6 +3802,297 @@
           <a:chExt cx="0" cy="0"/>
         </a:xfrm>
       </p:grpSpPr>
+      <p:pic>
+        <p:nvPicPr>
+          <p:cNvPr id="3" name="Grafik 2">
+            <a:extLst>
+              <a:ext uri="{FF2B5EF4-FFF2-40B4-BE49-F238E27FC236}">
+                <a16:creationId xmlns:a16="http://schemas.microsoft.com/office/drawing/2014/main" id="{723B6203-3323-4168-A356-6BCF681C60F9}"/>
+              </a:ext>
+            </a:extLst>
+          </p:cNvPr>
+          <p:cNvPicPr>
+            <a:picLocks noChangeAspect="1"/>
+          </p:cNvPicPr>
+          <p:nvPr/>
+        </p:nvPicPr>
+        <p:blipFill>
+          <a:blip r:embed="rId2">
+            <a:extLst>
+              <a:ext uri="{28A0092B-C50C-407E-A947-70E740481C1C}">
+                <a14:useLocalDpi xmlns:a14="http://schemas.microsoft.com/office/drawing/2010/main" val="0"/>
+              </a:ext>
+            </a:extLst>
+          </a:blip>
+          <a:stretch>
+            <a:fillRect/>
+          </a:stretch>
+        </p:blipFill>
+        <p:spPr>
+          <a:xfrm>
+            <a:off x="2667000" y="0"/>
+            <a:ext cx="6858000" cy="6858000"/>
+          </a:xfrm>
+          <a:prstGeom prst="rect">
+            <a:avLst/>
+          </a:prstGeom>
+        </p:spPr>
+      </p:pic>
+    </p:spTree>
+    <p:extLst>
+      <p:ext uri="{BB962C8B-B14F-4D97-AF65-F5344CB8AC3E}">
+        <p14:creationId xmlns:p14="http://schemas.microsoft.com/office/powerpoint/2010/main" val="1849569525"/>
+      </p:ext>
+    </p:extLst>
+  </p:cSld>
+  <p:clrMapOvr>
+    <a:masterClrMapping/>
+  </p:clrMapOvr>
+</p:sld>
+</file>
+
+<file path=ppt/slides/slide10.xml><?xml version="1.0" encoding="utf-8"?>
+<p:sld xmlns:a="http://schemas.openxmlformats.org/drawingml/2006/main" xmlns:r="http://schemas.openxmlformats.org/officeDocument/2006/relationships" xmlns:p="http://schemas.openxmlformats.org/presentationml/2006/main">
+  <p:cSld>
+    <p:spTree>
+      <p:nvGrpSpPr>
+        <p:cNvPr id="1" name=""/>
+        <p:cNvGrpSpPr/>
+        <p:nvPr/>
+      </p:nvGrpSpPr>
+      <p:grpSpPr>
+        <a:xfrm>
+          <a:off x="0" y="0"/>
+          <a:ext cx="0" cy="0"/>
+          <a:chOff x="0" y="0"/>
+          <a:chExt cx="0" cy="0"/>
+        </a:xfrm>
+      </p:grpSpPr>
+      <p:sp>
+        <p:nvSpPr>
+          <p:cNvPr id="4" name="Textfeld 3">
+            <a:extLst>
+              <a:ext uri="{FF2B5EF4-FFF2-40B4-BE49-F238E27FC236}">
+                <a16:creationId xmlns:a16="http://schemas.microsoft.com/office/drawing/2014/main" id="{FCF3207A-A44B-4534-8EB6-8157AE90E4C4}"/>
+              </a:ext>
+            </a:extLst>
+          </p:cNvPr>
+          <p:cNvSpPr txBox="1"/>
+          <p:nvPr/>
+        </p:nvSpPr>
+        <p:spPr>
+          <a:xfrm>
+            <a:off x="1892605" y="2767280"/>
+            <a:ext cx="6452920" cy="1323439"/>
+          </a:xfrm>
+          <a:prstGeom prst="rect">
+            <a:avLst/>
+          </a:prstGeom>
+          <a:noFill/>
+        </p:spPr>
+        <p:txBody>
+          <a:bodyPr wrap="none" rtlCol="0">
+            <a:spAutoFit/>
+          </a:bodyPr>
+          <a:lstStyle/>
+          <a:p>
+            <a:r>
+              <a:rPr lang="de-DE" sz="4000" dirty="0"/>
+              <a:t>Konzeptvorstellung </a:t>
+            </a:r>
+            <a:r>
+              <a:rPr lang="de-DE" sz="4000" b="1" dirty="0"/>
+              <a:t>mit Bildern</a:t>
+            </a:r>
+          </a:p>
+          <a:p>
+            <a:r>
+              <a:rPr lang="de-DE" sz="4000" b="1" dirty="0"/>
+              <a:t>X</a:t>
+            </a:r>
+          </a:p>
+        </p:txBody>
+      </p:sp>
+    </p:spTree>
+    <p:extLst>
+      <p:ext uri="{BB962C8B-B14F-4D97-AF65-F5344CB8AC3E}">
+        <p14:creationId xmlns:p14="http://schemas.microsoft.com/office/powerpoint/2010/main" val="1430587196"/>
+      </p:ext>
+    </p:extLst>
+  </p:cSld>
+  <p:clrMapOvr>
+    <a:masterClrMapping/>
+  </p:clrMapOvr>
+</p:sld>
+</file>
+
+<file path=ppt/slides/slide11.xml><?xml version="1.0" encoding="utf-8"?>
+<p:sld xmlns:a="http://schemas.openxmlformats.org/drawingml/2006/main" xmlns:r="http://schemas.openxmlformats.org/officeDocument/2006/relationships" xmlns:p="http://schemas.openxmlformats.org/presentationml/2006/main">
+  <p:cSld>
+    <p:spTree>
+      <p:nvGrpSpPr>
+        <p:cNvPr id="1" name=""/>
+        <p:cNvGrpSpPr/>
+        <p:nvPr/>
+      </p:nvGrpSpPr>
+      <p:grpSpPr>
+        <a:xfrm>
+          <a:off x="0" y="0"/>
+          <a:ext cx="0" cy="0"/>
+          <a:chOff x="0" y="0"/>
+          <a:chExt cx="0" cy="0"/>
+        </a:xfrm>
+      </p:grpSpPr>
+      <p:sp>
+        <p:nvSpPr>
+          <p:cNvPr id="4" name="Textfeld 3">
+            <a:extLst>
+              <a:ext uri="{FF2B5EF4-FFF2-40B4-BE49-F238E27FC236}">
+                <a16:creationId xmlns:a16="http://schemas.microsoft.com/office/drawing/2014/main" id="{FCF3207A-A44B-4534-8EB6-8157AE90E4C4}"/>
+              </a:ext>
+            </a:extLst>
+          </p:cNvPr>
+          <p:cNvSpPr txBox="1"/>
+          <p:nvPr/>
+        </p:nvSpPr>
+        <p:spPr>
+          <a:xfrm>
+            <a:off x="1892605" y="2767280"/>
+            <a:ext cx="6452920" cy="1323439"/>
+          </a:xfrm>
+          <a:prstGeom prst="rect">
+            <a:avLst/>
+          </a:prstGeom>
+          <a:noFill/>
+        </p:spPr>
+        <p:txBody>
+          <a:bodyPr wrap="none" rtlCol="0">
+            <a:spAutoFit/>
+          </a:bodyPr>
+          <a:lstStyle/>
+          <a:p>
+            <a:r>
+              <a:rPr lang="de-DE" sz="4000" dirty="0"/>
+              <a:t>Konzeptvorstellung </a:t>
+            </a:r>
+            <a:r>
+              <a:rPr lang="de-DE" sz="4000" b="1" dirty="0"/>
+              <a:t>mit Bildern</a:t>
+            </a:r>
+          </a:p>
+          <a:p>
+            <a:r>
+              <a:rPr lang="de-DE" sz="4000" b="1" dirty="0"/>
+              <a:t>Y</a:t>
+            </a:r>
+          </a:p>
+        </p:txBody>
+      </p:sp>
+    </p:spTree>
+    <p:extLst>
+      <p:ext uri="{BB962C8B-B14F-4D97-AF65-F5344CB8AC3E}">
+        <p14:creationId xmlns:p14="http://schemas.microsoft.com/office/powerpoint/2010/main" val="837488755"/>
+      </p:ext>
+    </p:extLst>
+  </p:cSld>
+  <p:clrMapOvr>
+    <a:masterClrMapping/>
+  </p:clrMapOvr>
+</p:sld>
+</file>
+
+<file path=ppt/slides/slide12.xml><?xml version="1.0" encoding="utf-8"?>
+<p:sld xmlns:a="http://schemas.openxmlformats.org/drawingml/2006/main" xmlns:r="http://schemas.openxmlformats.org/officeDocument/2006/relationships" xmlns:p="http://schemas.openxmlformats.org/presentationml/2006/main">
+  <p:cSld>
+    <p:spTree>
+      <p:nvGrpSpPr>
+        <p:cNvPr id="1" name=""/>
+        <p:cNvGrpSpPr/>
+        <p:nvPr/>
+      </p:nvGrpSpPr>
+      <p:grpSpPr>
+        <a:xfrm>
+          <a:off x="0" y="0"/>
+          <a:ext cx="0" cy="0"/>
+          <a:chOff x="0" y="0"/>
+          <a:chExt cx="0" cy="0"/>
+        </a:xfrm>
+      </p:grpSpPr>
+      <p:sp>
+        <p:nvSpPr>
+          <p:cNvPr id="4" name="Textfeld 3">
+            <a:extLst>
+              <a:ext uri="{FF2B5EF4-FFF2-40B4-BE49-F238E27FC236}">
+                <a16:creationId xmlns:a16="http://schemas.microsoft.com/office/drawing/2014/main" id="{FCF3207A-A44B-4534-8EB6-8157AE90E4C4}"/>
+              </a:ext>
+            </a:extLst>
+          </p:cNvPr>
+          <p:cNvSpPr txBox="1"/>
+          <p:nvPr/>
+        </p:nvSpPr>
+        <p:spPr>
+          <a:xfrm>
+            <a:off x="1892605" y="2767280"/>
+            <a:ext cx="6452920" cy="1323439"/>
+          </a:xfrm>
+          <a:prstGeom prst="rect">
+            <a:avLst/>
+          </a:prstGeom>
+          <a:noFill/>
+        </p:spPr>
+        <p:txBody>
+          <a:bodyPr wrap="none" rtlCol="0">
+            <a:spAutoFit/>
+          </a:bodyPr>
+          <a:lstStyle/>
+          <a:p>
+            <a:r>
+              <a:rPr lang="de-DE" sz="4000" dirty="0"/>
+              <a:t>Konzeptvorstellung </a:t>
+            </a:r>
+            <a:r>
+              <a:rPr lang="de-DE" sz="4000" b="1" dirty="0"/>
+              <a:t>mit Bildern</a:t>
+            </a:r>
+          </a:p>
+          <a:p>
+            <a:r>
+              <a:rPr lang="de-DE" sz="4000" b="1" dirty="0"/>
+              <a:t>Z</a:t>
+            </a:r>
+          </a:p>
+        </p:txBody>
+      </p:sp>
+    </p:spTree>
+    <p:extLst>
+      <p:ext uri="{BB962C8B-B14F-4D97-AF65-F5344CB8AC3E}">
+        <p14:creationId xmlns:p14="http://schemas.microsoft.com/office/powerpoint/2010/main" val="1154427149"/>
+      </p:ext>
+    </p:extLst>
+  </p:cSld>
+  <p:clrMapOvr>
+    <a:masterClrMapping/>
+  </p:clrMapOvr>
+</p:sld>
+</file>
+
+<file path=ppt/slides/slide13.xml><?xml version="1.0" encoding="utf-8"?>
+<p:sld xmlns:a="http://schemas.openxmlformats.org/drawingml/2006/main" xmlns:r="http://schemas.openxmlformats.org/officeDocument/2006/relationships" xmlns:p="http://schemas.openxmlformats.org/presentationml/2006/main">
+  <p:cSld>
+    <p:spTree>
+      <p:nvGrpSpPr>
+        <p:cNvPr id="1" name=""/>
+        <p:cNvGrpSpPr/>
+        <p:nvPr/>
+      </p:nvGrpSpPr>
+      <p:grpSpPr>
+        <a:xfrm>
+          <a:off x="0" y="0"/>
+          <a:ext cx="0" cy="0"/>
+          <a:chOff x="0" y="0"/>
+          <a:chExt cx="0" cy="0"/>
+        </a:xfrm>
+      </p:grpSpPr>
       <p:sp>
         <p:nvSpPr>
           <p:cNvPr id="2" name="Textfeld 1">
@@ -3841,14 +4147,50 @@
         </p:blipFill>
         <p:spPr>
           <a:xfrm>
-            <a:off x="776287" y="438150"/>
-            <a:ext cx="10639425" cy="5981700"/>
+            <a:off x="2618154" y="1473684"/>
+            <a:ext cx="8797558" cy="4946165"/>
           </a:xfrm>
           <a:prstGeom prst="rect">
             <a:avLst/>
           </a:prstGeom>
         </p:spPr>
       </p:pic>
+      <p:sp>
+        <p:nvSpPr>
+          <p:cNvPr id="7" name="Textfeld 6">
+            <a:extLst>
+              <a:ext uri="{FF2B5EF4-FFF2-40B4-BE49-F238E27FC236}">
+                <a16:creationId xmlns:a16="http://schemas.microsoft.com/office/drawing/2014/main" id="{7E7218E4-1BB5-4B17-9528-7BE6939F84B5}"/>
+              </a:ext>
+            </a:extLst>
+          </p:cNvPr>
+          <p:cNvSpPr txBox="1"/>
+          <p:nvPr/>
+        </p:nvSpPr>
+        <p:spPr>
+          <a:xfrm>
+            <a:off x="750277" y="461108"/>
+            <a:ext cx="2508738" cy="369332"/>
+          </a:xfrm>
+          <a:prstGeom prst="rect">
+            <a:avLst/>
+          </a:prstGeom>
+          <a:noFill/>
+        </p:spPr>
+        <p:txBody>
+          <a:bodyPr wrap="square" rtlCol="0">
+            <a:spAutoFit/>
+          </a:bodyPr>
+          <a:lstStyle/>
+          <a:p>
+            <a:r>
+              <a:rPr lang="de-DE" dirty="0" err="1"/>
+              <a:t>Bewertungskrierien</a:t>
+            </a:r>
+            <a:endParaRPr lang="de-DE" dirty="0"/>
+          </a:p>
+        </p:txBody>
+      </p:sp>
     </p:spTree>
     <p:extLst>
       <p:ext uri="{BB962C8B-B14F-4D97-AF65-F5344CB8AC3E}">
@@ -3862,7 +4204,7 @@
 </p:sld>
 </file>
 
-<file path=ppt/slides/slide2.xml><?xml version="1.0" encoding="utf-8"?>
+<file path=ppt/slides/slide14.xml><?xml version="1.0" encoding="utf-8"?>
 <p:sld xmlns:a="http://schemas.openxmlformats.org/drawingml/2006/main" xmlns:r="http://schemas.openxmlformats.org/officeDocument/2006/relationships" xmlns:p="http://schemas.openxmlformats.org/presentationml/2006/main">
   <p:cSld>
     <p:spTree>
@@ -3941,6 +4283,41 @@
           </a:prstGeom>
         </p:spPr>
       </p:pic>
+      <p:sp>
+        <p:nvSpPr>
+          <p:cNvPr id="10" name="Textfeld 9">
+            <a:extLst>
+              <a:ext uri="{FF2B5EF4-FFF2-40B4-BE49-F238E27FC236}">
+                <a16:creationId xmlns:a16="http://schemas.microsoft.com/office/drawing/2014/main" id="{C84DBC1A-C265-4433-A7D5-416430F9508E}"/>
+              </a:ext>
+            </a:extLst>
+          </p:cNvPr>
+          <p:cNvSpPr txBox="1"/>
+          <p:nvPr/>
+        </p:nvSpPr>
+        <p:spPr>
+          <a:xfrm>
+            <a:off x="870531" y="312615"/>
+            <a:ext cx="3928115" cy="369332"/>
+          </a:xfrm>
+          <a:prstGeom prst="rect">
+            <a:avLst/>
+          </a:prstGeom>
+          <a:noFill/>
+        </p:spPr>
+        <p:txBody>
+          <a:bodyPr wrap="square" rtlCol="0">
+            <a:spAutoFit/>
+          </a:bodyPr>
+          <a:lstStyle/>
+          <a:p>
+            <a:r>
+              <a:rPr lang="de-DE" dirty="0"/>
+              <a:t>Nutzwertanalyse und Entscheidung</a:t>
+            </a:r>
+          </a:p>
+        </p:txBody>
+      </p:sp>
     </p:spTree>
     <p:extLst>
       <p:ext uri="{BB962C8B-B14F-4D97-AF65-F5344CB8AC3E}">
@@ -3954,7 +4331,157 @@
 </p:sld>
 </file>
 
-<file path=ppt/slides/slide3.xml><?xml version="1.0" encoding="utf-8"?>
+<file path=ppt/slides/slide15.xml><?xml version="1.0" encoding="utf-8"?>
+<p:sld xmlns:a="http://schemas.openxmlformats.org/drawingml/2006/main" xmlns:r="http://schemas.openxmlformats.org/officeDocument/2006/relationships" xmlns:p="http://schemas.openxmlformats.org/presentationml/2006/main">
+  <p:cSld>
+    <p:spTree>
+      <p:nvGrpSpPr>
+        <p:cNvPr id="1" name=""/>
+        <p:cNvGrpSpPr/>
+        <p:nvPr/>
+      </p:nvGrpSpPr>
+      <p:grpSpPr>
+        <a:xfrm>
+          <a:off x="0" y="0"/>
+          <a:ext cx="0" cy="0"/>
+          <a:chOff x="0" y="0"/>
+          <a:chExt cx="0" cy="0"/>
+        </a:xfrm>
+      </p:grpSpPr>
+      <p:sp>
+        <p:nvSpPr>
+          <p:cNvPr id="4" name="Textfeld 3">
+            <a:extLst>
+              <a:ext uri="{FF2B5EF4-FFF2-40B4-BE49-F238E27FC236}">
+                <a16:creationId xmlns:a16="http://schemas.microsoft.com/office/drawing/2014/main" id="{FCF3207A-A44B-4534-8EB6-8157AE90E4C4}"/>
+              </a:ext>
+            </a:extLst>
+          </p:cNvPr>
+          <p:cNvSpPr txBox="1"/>
+          <p:nvPr/>
+        </p:nvSpPr>
+        <p:spPr>
+          <a:xfrm>
+            <a:off x="1892605" y="2767280"/>
+            <a:ext cx="6452920" cy="1323439"/>
+          </a:xfrm>
+          <a:prstGeom prst="rect">
+            <a:avLst/>
+          </a:prstGeom>
+          <a:noFill/>
+        </p:spPr>
+        <p:txBody>
+          <a:bodyPr wrap="none" rtlCol="0">
+            <a:spAutoFit/>
+          </a:bodyPr>
+          <a:lstStyle/>
+          <a:p>
+            <a:r>
+              <a:rPr lang="de-DE" sz="4000" dirty="0"/>
+              <a:t>Konzeptvorstellung </a:t>
+            </a:r>
+            <a:r>
+              <a:rPr lang="de-DE" sz="4000" b="1" dirty="0"/>
+              <a:t>mit Bildern</a:t>
+            </a:r>
+          </a:p>
+          <a:p>
+            <a:r>
+              <a:rPr lang="de-DE" sz="4000" b="1" dirty="0"/>
+              <a:t>B</a:t>
+            </a:r>
+          </a:p>
+        </p:txBody>
+      </p:sp>
+    </p:spTree>
+    <p:extLst>
+      <p:ext uri="{BB962C8B-B14F-4D97-AF65-F5344CB8AC3E}">
+        <p14:creationId xmlns:p14="http://schemas.microsoft.com/office/powerpoint/2010/main" val="1605964467"/>
+      </p:ext>
+    </p:extLst>
+  </p:cSld>
+  <p:clrMapOvr>
+    <a:masterClrMapping/>
+  </p:clrMapOvr>
+</p:sld>
+</file>
+
+<file path=ppt/slides/slide16.xml><?xml version="1.0" encoding="utf-8"?>
+<p:sld xmlns:a="http://schemas.openxmlformats.org/drawingml/2006/main" xmlns:r="http://schemas.openxmlformats.org/officeDocument/2006/relationships" xmlns:p="http://schemas.openxmlformats.org/presentationml/2006/main">
+  <p:cSld>
+    <p:spTree>
+      <p:nvGrpSpPr>
+        <p:cNvPr id="1" name=""/>
+        <p:cNvGrpSpPr/>
+        <p:nvPr/>
+      </p:nvGrpSpPr>
+      <p:grpSpPr>
+        <a:xfrm>
+          <a:off x="0" y="0"/>
+          <a:ext cx="0" cy="0"/>
+          <a:chOff x="0" y="0"/>
+          <a:chExt cx="0" cy="0"/>
+        </a:xfrm>
+      </p:grpSpPr>
+      <p:sp>
+        <p:nvSpPr>
+          <p:cNvPr id="4" name="Textfeld 3">
+            <a:extLst>
+              <a:ext uri="{FF2B5EF4-FFF2-40B4-BE49-F238E27FC236}">
+                <a16:creationId xmlns:a16="http://schemas.microsoft.com/office/drawing/2014/main" id="{FCF3207A-A44B-4534-8EB6-8157AE90E4C4}"/>
+              </a:ext>
+            </a:extLst>
+          </p:cNvPr>
+          <p:cNvSpPr txBox="1"/>
+          <p:nvPr/>
+        </p:nvSpPr>
+        <p:spPr>
+          <a:xfrm>
+            <a:off x="1892605" y="2767280"/>
+            <a:ext cx="6535122" cy="1323439"/>
+          </a:xfrm>
+          <a:prstGeom prst="rect">
+            <a:avLst/>
+          </a:prstGeom>
+          <a:noFill/>
+        </p:spPr>
+        <p:txBody>
+          <a:bodyPr wrap="none" rtlCol="0">
+            <a:spAutoFit/>
+          </a:bodyPr>
+          <a:lstStyle/>
+          <a:p>
+            <a:r>
+              <a:rPr lang="de-DE" sz="4000" dirty="0"/>
+              <a:t>Konzeptvorstellung </a:t>
+            </a:r>
+            <a:r>
+              <a:rPr lang="de-DE" sz="4000" b="1" dirty="0"/>
+              <a:t>ausführlich</a:t>
+            </a:r>
+          </a:p>
+          <a:p>
+            <a:r>
+              <a:rPr lang="de-DE" sz="4000" b="1" dirty="0"/>
+              <a:t>B</a:t>
+            </a:r>
+          </a:p>
+        </p:txBody>
+      </p:sp>
+    </p:spTree>
+    <p:extLst>
+      <p:ext uri="{BB962C8B-B14F-4D97-AF65-F5344CB8AC3E}">
+        <p14:creationId xmlns:p14="http://schemas.microsoft.com/office/powerpoint/2010/main" val="3499232565"/>
+      </p:ext>
+    </p:extLst>
+  </p:cSld>
+  <p:clrMapOvr>
+    <a:masterClrMapping/>
+  </p:clrMapOvr>
+</p:sld>
+</file>
+
+<file path=ppt/slides/slide17.xml><?xml version="1.0" encoding="utf-8"?>
 <p:sld xmlns:a="http://schemas.openxmlformats.org/drawingml/2006/main" xmlns:r="http://schemas.openxmlformats.org/officeDocument/2006/relationships" xmlns:p="http://schemas.openxmlformats.org/presentationml/2006/main">
   <p:cSld>
     <p:spTree>
@@ -4099,8 +4626,8 @@
         </p:blipFill>
         <p:spPr bwMode="auto">
           <a:xfrm>
-            <a:off x="1581150" y="161925"/>
-            <a:ext cx="9182100" cy="6591300"/>
+            <a:off x="1093167" y="1113183"/>
+            <a:ext cx="9670083" cy="5640042"/>
           </a:xfrm>
           <a:prstGeom prst="rect">
             <a:avLst/>
@@ -4111,10 +4638,1271 @@
           </a:ln>
         </p:spPr>
       </p:pic>
+      <p:sp>
+        <p:nvSpPr>
+          <p:cNvPr id="3" name="Textfeld 2">
+            <a:extLst>
+              <a:ext uri="{FF2B5EF4-FFF2-40B4-BE49-F238E27FC236}">
+                <a16:creationId xmlns:a16="http://schemas.microsoft.com/office/drawing/2014/main" id="{8FDDC34F-E2A0-4536-BAD1-4272690B86C1}"/>
+              </a:ext>
+            </a:extLst>
+          </p:cNvPr>
+          <p:cNvSpPr txBox="1"/>
+          <p:nvPr/>
+        </p:nvSpPr>
+        <p:spPr>
+          <a:xfrm>
+            <a:off x="850790" y="365760"/>
+            <a:ext cx="4007457" cy="369332"/>
+          </a:xfrm>
+          <a:prstGeom prst="rect">
+            <a:avLst/>
+          </a:prstGeom>
+          <a:noFill/>
+        </p:spPr>
+        <p:txBody>
+          <a:bodyPr wrap="square" rtlCol="0">
+            <a:spAutoFit/>
+          </a:bodyPr>
+          <a:lstStyle/>
+          <a:p>
+            <a:r>
+              <a:rPr lang="de-DE" dirty="0"/>
+              <a:t>Produktarchitektur</a:t>
+            </a:r>
+          </a:p>
+        </p:txBody>
+      </p:sp>
     </p:spTree>
     <p:extLst>
       <p:ext uri="{BB962C8B-B14F-4D97-AF65-F5344CB8AC3E}">
         <p14:creationId xmlns:p14="http://schemas.microsoft.com/office/powerpoint/2010/main" val="2733980996"/>
+      </p:ext>
+    </p:extLst>
+  </p:cSld>
+  <p:clrMapOvr>
+    <a:masterClrMapping/>
+  </p:clrMapOvr>
+</p:sld>
+</file>
+
+<file path=ppt/slides/slide18.xml><?xml version="1.0" encoding="utf-8"?>
+<p:sld xmlns:a="http://schemas.openxmlformats.org/drawingml/2006/main" xmlns:r="http://schemas.openxmlformats.org/officeDocument/2006/relationships" xmlns:p="http://schemas.openxmlformats.org/presentationml/2006/main">
+  <p:cSld>
+    <p:bg>
+      <p:bgPr>
+        <a:solidFill>
+          <a:schemeClr val="bg1"/>
+        </a:solidFill>
+        <a:effectLst/>
+      </p:bgPr>
+    </p:bg>
+    <p:spTree>
+      <p:nvGrpSpPr>
+        <p:cNvPr id="1" name=""/>
+        <p:cNvGrpSpPr/>
+        <p:nvPr/>
+      </p:nvGrpSpPr>
+      <p:grpSpPr>
+        <a:xfrm>
+          <a:off x="0" y="0"/>
+          <a:ext cx="0" cy="0"/>
+          <a:chOff x="0" y="0"/>
+          <a:chExt cx="0" cy="0"/>
+        </a:xfrm>
+      </p:grpSpPr>
+      <p:cxnSp>
+        <p:nvCxnSpPr>
+          <p:cNvPr id="9" name="Straight Connector 8">
+            <a:extLst>
+              <a:ext uri="{FF2B5EF4-FFF2-40B4-BE49-F238E27FC236}">
+                <a16:creationId xmlns:a16="http://schemas.microsoft.com/office/drawing/2014/main" id="{807D5DDF-5492-4CCA-A929-25EA0774DF42}"/>
+              </a:ext>
+              <a:ext uri="{C183D7F6-B498-43B3-948B-1728B52AA6E4}">
+                <adec:decorative xmlns:adec="http://schemas.microsoft.com/office/drawing/2017/decorative" val="1"/>
+              </a:ext>
+            </a:extLst>
+          </p:cNvPr>
+          <p:cNvCxnSpPr>
+            <a:cxnSpLocks noGrp="1" noRot="1" noChangeAspect="1" noMove="1" noResize="1" noEditPoints="1" noAdjustHandles="1" noChangeArrowheads="1" noChangeShapeType="1"/>
+          </p:cNvCxnSpPr>
+          <p:nvPr>
+            <p:extLst>
+              <p:ext uri="{386F3935-93C4-4BCD-93E2-E3B085C9AB24}">
+                <p16:designElem xmlns:p16="http://schemas.microsoft.com/office/powerpoint/2015/main" val="1"/>
+              </p:ext>
+            </p:extLst>
+          </p:nvPr>
+        </p:nvCxnSpPr>
+        <p:spPr>
+          <a:xfrm flipV="1">
+            <a:off x="8386842" y="5264106"/>
+            <a:ext cx="0" cy="914400"/>
+          </a:xfrm>
+          <a:prstGeom prst="line">
+            <a:avLst/>
+          </a:prstGeom>
+          <a:ln w="19050">
+            <a:solidFill>
+              <a:schemeClr val="accent2"/>
+            </a:solidFill>
+          </a:ln>
+        </p:spPr>
+        <p:style>
+          <a:lnRef idx="1">
+            <a:schemeClr val="accent1"/>
+          </a:lnRef>
+          <a:fillRef idx="0">
+            <a:schemeClr val="accent1"/>
+          </a:fillRef>
+          <a:effectRef idx="0">
+            <a:schemeClr val="accent1"/>
+          </a:effectRef>
+          <a:fontRef idx="minor">
+            <a:schemeClr val="tx1"/>
+          </a:fontRef>
+        </p:style>
+      </p:cxnSp>
+      <p:sp>
+        <p:nvSpPr>
+          <p:cNvPr id="11" name="Rectangle 10">
+            <a:extLst>
+              <a:ext uri="{FF2B5EF4-FFF2-40B4-BE49-F238E27FC236}">
+                <a16:creationId xmlns:a16="http://schemas.microsoft.com/office/drawing/2014/main" id="{B5678532-D2F8-4E48-BC12-62403E2C762C}"/>
+              </a:ext>
+              <a:ext uri="{C183D7F6-B498-43B3-948B-1728B52AA6E4}">
+                <adec:decorative xmlns:adec="http://schemas.microsoft.com/office/drawing/2017/decorative" val="1"/>
+              </a:ext>
+            </a:extLst>
+          </p:cNvPr>
+          <p:cNvSpPr>
+            <a:spLocks noGrp="1" noRot="1" noChangeAspect="1" noMove="1" noResize="1" noEditPoints="1" noAdjustHandles="1" noChangeArrowheads="1" noChangeShapeType="1" noTextEdit="1"/>
+          </p:cNvSpPr>
+          <p:nvPr>
+            <p:extLst>
+              <p:ext uri="{386F3935-93C4-4BCD-93E2-E3B085C9AB24}">
+                <p16:designElem xmlns:p16="http://schemas.microsoft.com/office/powerpoint/2015/main" val="1"/>
+              </p:ext>
+            </p:extLst>
+          </p:nvPr>
+        </p:nvSpPr>
+        <p:spPr>
+          <a:xfrm>
+            <a:off x="0" y="-1"/>
+            <a:ext cx="12192000" cy="4572001"/>
+          </a:xfrm>
+          <a:prstGeom prst="rect">
+            <a:avLst/>
+          </a:prstGeom>
+          <a:solidFill>
+            <a:schemeClr val="accent2"/>
+          </a:solidFill>
+          <a:ln>
+            <a:noFill/>
+          </a:ln>
+        </p:spPr>
+        <p:style>
+          <a:lnRef idx="2">
+            <a:schemeClr val="accent1">
+              <a:shade val="50000"/>
+            </a:schemeClr>
+          </a:lnRef>
+          <a:fillRef idx="1">
+            <a:schemeClr val="accent1"/>
+          </a:fillRef>
+          <a:effectRef idx="0">
+            <a:schemeClr val="accent1"/>
+          </a:effectRef>
+          <a:fontRef idx="minor">
+            <a:schemeClr val="lt1"/>
+          </a:fontRef>
+        </p:style>
+      </p:sp>
+      <p:sp>
+        <p:nvSpPr>
+          <p:cNvPr id="13" name="Rectangle 12">
+            <a:extLst>
+              <a:ext uri="{FF2B5EF4-FFF2-40B4-BE49-F238E27FC236}">
+                <a16:creationId xmlns:a16="http://schemas.microsoft.com/office/drawing/2014/main" id="{67AEE668-94EB-42CE-9A9A-5795C97EFA33}"/>
+              </a:ext>
+              <a:ext uri="{C183D7F6-B498-43B3-948B-1728B52AA6E4}">
+                <adec:decorative xmlns:adec="http://schemas.microsoft.com/office/drawing/2017/decorative" val="1"/>
+              </a:ext>
+            </a:extLst>
+          </p:cNvPr>
+          <p:cNvSpPr>
+            <a:spLocks noGrp="1" noRot="1" noChangeAspect="1" noMove="1" noResize="1" noEditPoints="1" noAdjustHandles="1" noChangeArrowheads="1" noChangeShapeType="1" noTextEdit="1"/>
+          </p:cNvSpPr>
+          <p:nvPr>
+            <p:extLst>
+              <p:ext uri="{386F3935-93C4-4BCD-93E2-E3B085C9AB24}">
+                <p16:designElem xmlns:p16="http://schemas.microsoft.com/office/powerpoint/2015/main" val="1"/>
+              </p:ext>
+            </p:extLst>
+          </p:nvPr>
+        </p:nvSpPr>
+        <p:spPr>
+          <a:xfrm>
+            <a:off x="0" y="0"/>
+            <a:ext cx="12188726" cy="6858975"/>
+          </a:xfrm>
+          <a:prstGeom prst="rect">
+            <a:avLst/>
+          </a:prstGeom>
+          <a:solidFill>
+            <a:schemeClr val="bg1"/>
+          </a:solidFill>
+          <a:ln>
+            <a:noFill/>
+          </a:ln>
+        </p:spPr>
+        <p:style>
+          <a:lnRef idx="2">
+            <a:schemeClr val="accent1">
+              <a:shade val="50000"/>
+            </a:schemeClr>
+          </a:lnRef>
+          <a:fillRef idx="1">
+            <a:schemeClr val="accent1"/>
+          </a:fillRef>
+          <a:effectRef idx="0">
+            <a:schemeClr val="accent1"/>
+          </a:effectRef>
+          <a:fontRef idx="minor">
+            <a:schemeClr val="lt1"/>
+          </a:fontRef>
+        </p:style>
+        <p:txBody>
+          <a:bodyPr rtlCol="0" anchor="ctr"/>
+          <a:lstStyle/>
+          <a:p>
+            <a:pPr algn="ctr"/>
+            <a:endParaRPr lang="en-US"/>
+          </a:p>
+        </p:txBody>
+      </p:sp>
+      <p:sp>
+        <p:nvSpPr>
+          <p:cNvPr id="4" name="Textfeld 3">
+            <a:extLst>
+              <a:ext uri="{FF2B5EF4-FFF2-40B4-BE49-F238E27FC236}">
+                <a16:creationId xmlns:a16="http://schemas.microsoft.com/office/drawing/2014/main" id="{FCF3207A-A44B-4534-8EB6-8157AE90E4C4}"/>
+              </a:ext>
+            </a:extLst>
+          </p:cNvPr>
+          <p:cNvSpPr txBox="1"/>
+          <p:nvPr/>
+        </p:nvSpPr>
+        <p:spPr>
+          <a:xfrm>
+            <a:off x="636805" y="640080"/>
+            <a:ext cx="3378099" cy="3034857"/>
+          </a:xfrm>
+          <a:prstGeom prst="rect">
+            <a:avLst/>
+          </a:prstGeom>
+        </p:spPr>
+        <p:txBody>
+          <a:bodyPr vert="horz" lIns="91440" tIns="45720" rIns="91440" bIns="45720" rtlCol="0" anchor="b">
+            <a:normAutofit/>
+          </a:bodyPr>
+          <a:lstStyle/>
+          <a:p>
+            <a:pPr algn="r" defTabSz="914400">
+              <a:lnSpc>
+                <a:spcPct val="80000"/>
+              </a:lnSpc>
+              <a:spcBef>
+                <a:spcPct val="0"/>
+              </a:spcBef>
+              <a:spcAft>
+                <a:spcPts val="600"/>
+              </a:spcAft>
+            </a:pPr>
+            <a:r>
+              <a:rPr lang="en-US" sz="4400" b="1" cap="all" spc="200">
+                <a:solidFill>
+                  <a:schemeClr val="tx1">
+                    <a:lumMod val="95000"/>
+                    <a:lumOff val="5000"/>
+                  </a:schemeClr>
+                </a:solidFill>
+                <a:latin typeface="+mj-lt"/>
+                <a:ea typeface="+mj-ea"/>
+                <a:cs typeface="+mj-cs"/>
+              </a:rPr>
+              <a:t>Morph box2</a:t>
+            </a:r>
+          </a:p>
+        </p:txBody>
+      </p:sp>
+      <p:cxnSp>
+        <p:nvCxnSpPr>
+          <p:cNvPr id="15" name="Straight Connector 14">
+            <a:extLst>
+              <a:ext uri="{FF2B5EF4-FFF2-40B4-BE49-F238E27FC236}">
+                <a16:creationId xmlns:a16="http://schemas.microsoft.com/office/drawing/2014/main" id="{0F8B6B4E-9545-418F-A838-ED276EF21FBF}"/>
+              </a:ext>
+              <a:ext uri="{C183D7F6-B498-43B3-948B-1728B52AA6E4}">
+                <adec:decorative xmlns:adec="http://schemas.microsoft.com/office/drawing/2017/decorative" val="1"/>
+              </a:ext>
+            </a:extLst>
+          </p:cNvPr>
+          <p:cNvCxnSpPr>
+            <a:cxnSpLocks noGrp="1" noRot="1" noChangeAspect="1" noMove="1" noResize="1" noEditPoints="1" noAdjustHandles="1" noChangeArrowheads="1" noChangeShapeType="1"/>
+          </p:cNvCxnSpPr>
+          <p:nvPr>
+            <p:extLst>
+              <p:ext uri="{386F3935-93C4-4BCD-93E2-E3B085C9AB24}">
+                <p16:designElem xmlns:p16="http://schemas.microsoft.com/office/powerpoint/2015/main" val="1"/>
+              </p:ext>
+            </p:extLst>
+          </p:nvPr>
+        </p:nvCxnSpPr>
+        <p:spPr>
+          <a:xfrm>
+            <a:off x="700698" y="3765314"/>
+            <a:ext cx="3200400" cy="0"/>
+          </a:xfrm>
+          <a:prstGeom prst="line">
+            <a:avLst/>
+          </a:prstGeom>
+          <a:ln w="19050">
+            <a:solidFill>
+              <a:schemeClr val="accent2"/>
+            </a:solidFill>
+          </a:ln>
+        </p:spPr>
+        <p:style>
+          <a:lnRef idx="1">
+            <a:schemeClr val="accent1"/>
+          </a:lnRef>
+          <a:fillRef idx="0">
+            <a:schemeClr val="accent1"/>
+          </a:fillRef>
+          <a:effectRef idx="0">
+            <a:schemeClr val="accent1"/>
+          </a:effectRef>
+          <a:fontRef idx="minor">
+            <a:schemeClr val="tx1"/>
+          </a:fontRef>
+        </p:style>
+      </p:cxnSp>
+      <p:pic>
+        <p:nvPicPr>
+          <p:cNvPr id="3" name="Grafik 2" descr="Ein Bild, das Tisch enthält.&#10;&#10;Automatisch generierte Beschreibung">
+            <a:extLst>
+              <a:ext uri="{FF2B5EF4-FFF2-40B4-BE49-F238E27FC236}">
+                <a16:creationId xmlns:a16="http://schemas.microsoft.com/office/drawing/2014/main" id="{5A837B8C-BFAA-4225-A5CA-1D8CE25A0562}"/>
+              </a:ext>
+            </a:extLst>
+          </p:cNvPr>
+          <p:cNvPicPr>
+            <a:picLocks noChangeAspect="1"/>
+          </p:cNvPicPr>
+          <p:nvPr/>
+        </p:nvPicPr>
+        <p:blipFill>
+          <a:blip r:embed="rId2"/>
+          <a:stretch>
+            <a:fillRect/>
+          </a:stretch>
+        </p:blipFill>
+        <p:spPr>
+          <a:xfrm>
+            <a:off x="4850498" y="640080"/>
+            <a:ext cx="6505908" cy="5578816"/>
+          </a:xfrm>
+          <a:prstGeom prst="rect">
+            <a:avLst/>
+          </a:prstGeom>
+        </p:spPr>
+      </p:pic>
+    </p:spTree>
+    <p:extLst>
+      <p:ext uri="{BB962C8B-B14F-4D97-AF65-F5344CB8AC3E}">
+        <p14:creationId xmlns:p14="http://schemas.microsoft.com/office/powerpoint/2010/main" val="3421638399"/>
+      </p:ext>
+    </p:extLst>
+  </p:cSld>
+  <p:clrMapOvr>
+    <a:masterClrMapping/>
+  </p:clrMapOvr>
+</p:sld>
+</file>
+
+<file path=ppt/slides/slide2.xml><?xml version="1.0" encoding="utf-8"?>
+<p:sld xmlns:a="http://schemas.openxmlformats.org/drawingml/2006/main" xmlns:r="http://schemas.openxmlformats.org/officeDocument/2006/relationships" xmlns:p="http://schemas.openxmlformats.org/presentationml/2006/main">
+  <p:cSld>
+    <p:spTree>
+      <p:nvGrpSpPr>
+        <p:cNvPr id="1" name=""/>
+        <p:cNvGrpSpPr/>
+        <p:nvPr/>
+      </p:nvGrpSpPr>
+      <p:grpSpPr>
+        <a:xfrm>
+          <a:off x="0" y="0"/>
+          <a:ext cx="0" cy="0"/>
+          <a:chOff x="0" y="0"/>
+          <a:chExt cx="0" cy="0"/>
+        </a:xfrm>
+      </p:grpSpPr>
+      <p:sp>
+        <p:nvSpPr>
+          <p:cNvPr id="2" name="Titel 1">
+            <a:extLst>
+              <a:ext uri="{FF2B5EF4-FFF2-40B4-BE49-F238E27FC236}">
+                <a16:creationId xmlns:a16="http://schemas.microsoft.com/office/drawing/2014/main" id="{9EE936F0-62E4-40F1-BA06-11DDD134B512}"/>
+              </a:ext>
+            </a:extLst>
+          </p:cNvPr>
+          <p:cNvSpPr>
+            <a:spLocks noGrp="1"/>
+          </p:cNvSpPr>
+          <p:nvPr>
+            <p:ph type="title" idx="4294967295"/>
+          </p:nvPr>
+        </p:nvSpPr>
+        <p:spPr>
+          <a:xfrm>
+            <a:off x="643467" y="643467"/>
+            <a:ext cx="7164674" cy="5571066"/>
+          </a:xfrm>
+        </p:spPr>
+        <p:txBody>
+          <a:bodyPr vert="horz" lIns="91440" tIns="45720" rIns="91440" bIns="45720" rtlCol="0" anchor="ctr">
+            <a:normAutofit/>
+          </a:bodyPr>
+          <a:lstStyle/>
+          <a:p>
+            <a:pPr algn="r"/>
+            <a:r>
+              <a:rPr lang="en-US" sz="6600" spc="200" dirty="0" err="1">
+                <a:solidFill>
+                  <a:schemeClr val="tx1">
+                    <a:alpha val="80000"/>
+                  </a:schemeClr>
+                </a:solidFill>
+              </a:rPr>
+              <a:t>Wer</a:t>
+            </a:r>
+            <a:r>
+              <a:rPr lang="en-US" sz="6600" spc="200" dirty="0">
+                <a:solidFill>
+                  <a:schemeClr val="tx1">
+                    <a:alpha val="80000"/>
+                  </a:schemeClr>
+                </a:solidFill>
+              </a:rPr>
+              <a:t> </a:t>
+            </a:r>
+            <a:r>
+              <a:rPr lang="en-US" sz="6600" spc="200" dirty="0" err="1">
+                <a:solidFill>
+                  <a:schemeClr val="tx1">
+                    <a:alpha val="80000"/>
+                  </a:schemeClr>
+                </a:solidFill>
+              </a:rPr>
+              <a:t>sind</a:t>
+            </a:r>
+            <a:r>
+              <a:rPr lang="en-US" sz="6600" spc="200" dirty="0">
+                <a:solidFill>
+                  <a:schemeClr val="tx1">
+                    <a:alpha val="80000"/>
+                  </a:schemeClr>
+                </a:solidFill>
+              </a:rPr>
+              <a:t> </a:t>
+            </a:r>
+            <a:r>
+              <a:rPr lang="en-US" sz="6600" spc="200" dirty="0" err="1">
+                <a:solidFill>
+                  <a:schemeClr val="tx1">
+                    <a:alpha val="80000"/>
+                  </a:schemeClr>
+                </a:solidFill>
+              </a:rPr>
+              <a:t>wir</a:t>
+            </a:r>
+            <a:r>
+              <a:rPr lang="en-US" sz="6600" spc="200" dirty="0">
+                <a:solidFill>
+                  <a:schemeClr val="tx1">
+                    <a:alpha val="80000"/>
+                  </a:schemeClr>
+                </a:solidFill>
+              </a:rPr>
+              <a:t>?</a:t>
+            </a:r>
+          </a:p>
+        </p:txBody>
+      </p:sp>
+    </p:spTree>
+    <p:extLst>
+      <p:ext uri="{BB962C8B-B14F-4D97-AF65-F5344CB8AC3E}">
+        <p14:creationId xmlns:p14="http://schemas.microsoft.com/office/powerpoint/2010/main" val="2522807781"/>
+      </p:ext>
+    </p:extLst>
+  </p:cSld>
+  <p:clrMapOvr>
+    <a:masterClrMapping/>
+  </p:clrMapOvr>
+</p:sld>
+</file>
+
+<file path=ppt/slides/slide3.xml><?xml version="1.0" encoding="utf-8"?>
+<p:sld xmlns:a="http://schemas.openxmlformats.org/drawingml/2006/main" xmlns:r="http://schemas.openxmlformats.org/officeDocument/2006/relationships" xmlns:p="http://schemas.openxmlformats.org/presentationml/2006/main">
+  <p:cSld>
+    <p:spTree>
+      <p:nvGrpSpPr>
+        <p:cNvPr id="1" name=""/>
+        <p:cNvGrpSpPr/>
+        <p:nvPr/>
+      </p:nvGrpSpPr>
+      <p:grpSpPr>
+        <a:xfrm>
+          <a:off x="0" y="0"/>
+          <a:ext cx="0" cy="0"/>
+          <a:chOff x="0" y="0"/>
+          <a:chExt cx="0" cy="0"/>
+        </a:xfrm>
+      </p:grpSpPr>
+      <p:sp>
+        <p:nvSpPr>
+          <p:cNvPr id="8" name="Textfeld 7">
+            <a:extLst>
+              <a:ext uri="{FF2B5EF4-FFF2-40B4-BE49-F238E27FC236}">
+                <a16:creationId xmlns:a16="http://schemas.microsoft.com/office/drawing/2014/main" id="{7DD7AA26-52C7-4759-880F-5BDA897B8ECA}"/>
+              </a:ext>
+            </a:extLst>
+          </p:cNvPr>
+          <p:cNvSpPr txBox="1"/>
+          <p:nvPr/>
+        </p:nvSpPr>
+        <p:spPr>
+          <a:xfrm>
+            <a:off x="5738241" y="4125980"/>
+            <a:ext cx="6096000" cy="1569660"/>
+          </a:xfrm>
+          <a:prstGeom prst="rect">
+            <a:avLst/>
+          </a:prstGeom>
+          <a:noFill/>
+        </p:spPr>
+        <p:txBody>
+          <a:bodyPr wrap="square">
+            <a:spAutoFit/>
+          </a:bodyPr>
+          <a:lstStyle/>
+          <a:p>
+            <a:r>
+              <a:rPr lang="de-DE" sz="2400" dirty="0"/>
+              <a:t>Leon Schwarz 		 – CEO/Teamleitung</a:t>
+            </a:r>
+          </a:p>
+          <a:p>
+            <a:r>
+              <a:rPr lang="de-DE" sz="2400" dirty="0"/>
+              <a:t>Pascal Roschkowski – Controlling/Marktanalyse</a:t>
+            </a:r>
+          </a:p>
+          <a:p>
+            <a:r>
+              <a:rPr lang="de-DE" sz="2400" dirty="0"/>
+              <a:t>Tobias Röpke 		 – technischer Leiter</a:t>
+            </a:r>
+          </a:p>
+          <a:p>
+            <a:r>
+              <a:rPr lang="de-DE" sz="2400" dirty="0"/>
+              <a:t>Philipp Otto 		 – Marketing </a:t>
+            </a:r>
+          </a:p>
+        </p:txBody>
+      </p:sp>
+      <p:sp>
+        <p:nvSpPr>
+          <p:cNvPr id="2" name="Textfeld 1">
+            <a:extLst>
+              <a:ext uri="{FF2B5EF4-FFF2-40B4-BE49-F238E27FC236}">
+                <a16:creationId xmlns:a16="http://schemas.microsoft.com/office/drawing/2014/main" id="{88C79558-5612-4207-B3A0-B6CDBEEE295F}"/>
+              </a:ext>
+            </a:extLst>
+          </p:cNvPr>
+          <p:cNvSpPr txBox="1"/>
+          <p:nvPr/>
+        </p:nvSpPr>
+        <p:spPr>
+          <a:xfrm>
+            <a:off x="721119" y="4172146"/>
+            <a:ext cx="4778616" cy="1477328"/>
+          </a:xfrm>
+          <a:prstGeom prst="rect">
+            <a:avLst/>
+          </a:prstGeom>
+          <a:noFill/>
+        </p:spPr>
+        <p:txBody>
+          <a:bodyPr wrap="none" rtlCol="0">
+            <a:spAutoFit/>
+          </a:bodyPr>
+          <a:lstStyle/>
+          <a:p>
+            <a:r>
+              <a:rPr lang="de-DE" sz="2400" dirty="0"/>
+              <a:t>Gründung: 		Oktober 2020</a:t>
+            </a:r>
+          </a:p>
+          <a:p>
+            <a:r>
+              <a:rPr lang="de-DE" sz="2400" dirty="0"/>
+              <a:t>Mitarbeiter: 	4</a:t>
+            </a:r>
+          </a:p>
+          <a:p>
+            <a:r>
+              <a:rPr lang="de-DE" sz="2400" dirty="0"/>
+              <a:t>geschätzter 	Firmenwert: 200.000€</a:t>
+            </a:r>
+          </a:p>
+          <a:p>
+            <a:endParaRPr lang="de-DE" dirty="0"/>
+          </a:p>
+        </p:txBody>
+      </p:sp>
+      <p:sp>
+        <p:nvSpPr>
+          <p:cNvPr id="3" name="Textfeld 2">
+            <a:extLst>
+              <a:ext uri="{FF2B5EF4-FFF2-40B4-BE49-F238E27FC236}">
+                <a16:creationId xmlns:a16="http://schemas.microsoft.com/office/drawing/2014/main" id="{6392A4D7-C13D-46D3-B54C-2C678BB5956C}"/>
+              </a:ext>
+            </a:extLst>
+          </p:cNvPr>
+          <p:cNvSpPr txBox="1"/>
+          <p:nvPr/>
+        </p:nvSpPr>
+        <p:spPr>
+          <a:xfrm>
+            <a:off x="3260801" y="1126390"/>
+            <a:ext cx="5670398" cy="1292662"/>
+          </a:xfrm>
+          <a:prstGeom prst="rect">
+            <a:avLst/>
+          </a:prstGeom>
+          <a:noFill/>
+        </p:spPr>
+        <p:txBody>
+          <a:bodyPr wrap="none" rtlCol="0">
+            <a:spAutoFit/>
+          </a:bodyPr>
+          <a:lstStyle/>
+          <a:p>
+            <a:r>
+              <a:rPr lang="de-DE" sz="5400" dirty="0"/>
+              <a:t>				C-Tech </a:t>
+            </a:r>
+          </a:p>
+          <a:p>
+            <a:r>
+              <a:rPr lang="de-DE" sz="2400" dirty="0"/>
+              <a:t>„modern </a:t>
+            </a:r>
+            <a:r>
+              <a:rPr lang="de-DE" sz="2400" dirty="0" err="1"/>
+              <a:t>problems</a:t>
+            </a:r>
+            <a:r>
+              <a:rPr lang="de-DE" sz="2400" dirty="0"/>
+              <a:t> </a:t>
+            </a:r>
+            <a:r>
+              <a:rPr lang="de-DE" sz="2400" dirty="0" err="1"/>
+              <a:t>require</a:t>
+            </a:r>
+            <a:r>
+              <a:rPr lang="de-DE" sz="2400" dirty="0"/>
+              <a:t> </a:t>
+            </a:r>
+            <a:r>
+              <a:rPr lang="de-DE" sz="2400" dirty="0" err="1"/>
+              <a:t>creative</a:t>
+            </a:r>
+            <a:r>
+              <a:rPr lang="de-DE" sz="2400" dirty="0"/>
+              <a:t> </a:t>
+            </a:r>
+            <a:r>
+              <a:rPr lang="de-DE" sz="2400" dirty="0" err="1"/>
+              <a:t>solutions</a:t>
+            </a:r>
+            <a:r>
+              <a:rPr lang="de-DE" sz="2400" dirty="0"/>
+              <a:t>“</a:t>
+            </a:r>
+          </a:p>
+        </p:txBody>
+      </p:sp>
+      <p:sp>
+        <p:nvSpPr>
+          <p:cNvPr id="4" name="Textfeld 3">
+            <a:extLst>
+              <a:ext uri="{FF2B5EF4-FFF2-40B4-BE49-F238E27FC236}">
+                <a16:creationId xmlns:a16="http://schemas.microsoft.com/office/drawing/2014/main" id="{BBC71AB5-CA65-40C6-81CE-CC0F145BA1A5}"/>
+              </a:ext>
+            </a:extLst>
+          </p:cNvPr>
+          <p:cNvSpPr txBox="1"/>
+          <p:nvPr/>
+        </p:nvSpPr>
+        <p:spPr>
+          <a:xfrm>
+            <a:off x="5738241" y="3756647"/>
+            <a:ext cx="1604350" cy="830997"/>
+          </a:xfrm>
+          <a:prstGeom prst="rect">
+            <a:avLst/>
+          </a:prstGeom>
+          <a:noFill/>
+        </p:spPr>
+        <p:txBody>
+          <a:bodyPr wrap="none" rtlCol="0">
+            <a:spAutoFit/>
+          </a:bodyPr>
+          <a:lstStyle/>
+          <a:p>
+            <a:r>
+              <a:rPr lang="de-DE" sz="2400" dirty="0"/>
+              <a:t>unser Team:</a:t>
+            </a:r>
+          </a:p>
+          <a:p>
+            <a:endParaRPr lang="de-DE" sz="2400" dirty="0"/>
+          </a:p>
+        </p:txBody>
+      </p:sp>
+    </p:spTree>
+    <p:extLst>
+      <p:ext uri="{BB962C8B-B14F-4D97-AF65-F5344CB8AC3E}">
+        <p14:creationId xmlns:p14="http://schemas.microsoft.com/office/powerpoint/2010/main" val="3606124245"/>
+      </p:ext>
+    </p:extLst>
+  </p:cSld>
+  <p:clrMapOvr>
+    <a:masterClrMapping/>
+  </p:clrMapOvr>
+</p:sld>
+</file>
+
+<file path=ppt/slides/slide4.xml><?xml version="1.0" encoding="utf-8"?>
+<p:sld xmlns:a="http://schemas.openxmlformats.org/drawingml/2006/main" xmlns:r="http://schemas.openxmlformats.org/officeDocument/2006/relationships" xmlns:p="http://schemas.openxmlformats.org/presentationml/2006/main">
+  <p:cSld>
+    <p:spTree>
+      <p:nvGrpSpPr>
+        <p:cNvPr id="1" name=""/>
+        <p:cNvGrpSpPr/>
+        <p:nvPr/>
+      </p:nvGrpSpPr>
+      <p:grpSpPr>
+        <a:xfrm>
+          <a:off x="0" y="0"/>
+          <a:ext cx="0" cy="0"/>
+          <a:chOff x="0" y="0"/>
+          <a:chExt cx="0" cy="0"/>
+        </a:xfrm>
+      </p:grpSpPr>
+      <p:sp>
+        <p:nvSpPr>
+          <p:cNvPr id="2" name="Titel 1">
+            <a:extLst>
+              <a:ext uri="{FF2B5EF4-FFF2-40B4-BE49-F238E27FC236}">
+                <a16:creationId xmlns:a16="http://schemas.microsoft.com/office/drawing/2014/main" id="{9EE936F0-62E4-40F1-BA06-11DDD134B512}"/>
+              </a:ext>
+            </a:extLst>
+          </p:cNvPr>
+          <p:cNvSpPr>
+            <a:spLocks noGrp="1"/>
+          </p:cNvSpPr>
+          <p:nvPr>
+            <p:ph type="title" idx="4294967295"/>
+          </p:nvPr>
+        </p:nvSpPr>
+        <p:spPr>
+          <a:xfrm>
+            <a:off x="643467" y="643467"/>
+            <a:ext cx="7164674" cy="5571066"/>
+          </a:xfrm>
+        </p:spPr>
+        <p:txBody>
+          <a:bodyPr vert="horz" lIns="91440" tIns="45720" rIns="91440" bIns="45720" rtlCol="0" anchor="ctr">
+            <a:normAutofit/>
+          </a:bodyPr>
+          <a:lstStyle/>
+          <a:p>
+            <a:pPr algn="r"/>
+            <a:r>
+              <a:rPr lang="en-US" sz="6600" spc="200" dirty="0">
+                <a:solidFill>
+                  <a:schemeClr val="tx1">
+                    <a:alpha val="80000"/>
+                  </a:schemeClr>
+                </a:solidFill>
+              </a:rPr>
+              <a:t>Was </a:t>
+            </a:r>
+            <a:r>
+              <a:rPr lang="en-US" sz="6600" spc="200" dirty="0" err="1">
+                <a:solidFill>
+                  <a:schemeClr val="tx1">
+                    <a:alpha val="80000"/>
+                  </a:schemeClr>
+                </a:solidFill>
+              </a:rPr>
+              <a:t>machen</a:t>
+            </a:r>
+            <a:r>
+              <a:rPr lang="en-US" sz="6600" spc="200" dirty="0">
+                <a:solidFill>
+                  <a:schemeClr val="tx1">
+                    <a:alpha val="80000"/>
+                  </a:schemeClr>
+                </a:solidFill>
+              </a:rPr>
+              <a:t> </a:t>
+            </a:r>
+            <a:r>
+              <a:rPr lang="en-US" sz="6600" spc="200" dirty="0" err="1">
+                <a:solidFill>
+                  <a:schemeClr val="tx1">
+                    <a:alpha val="80000"/>
+                  </a:schemeClr>
+                </a:solidFill>
+              </a:rPr>
+              <a:t>wir</a:t>
+            </a:r>
+            <a:r>
+              <a:rPr lang="en-US" sz="6600" spc="200" dirty="0">
+                <a:solidFill>
+                  <a:schemeClr val="tx1">
+                    <a:alpha val="80000"/>
+                  </a:schemeClr>
+                </a:solidFill>
+              </a:rPr>
+              <a:t>?</a:t>
+            </a:r>
+          </a:p>
+        </p:txBody>
+      </p:sp>
+    </p:spTree>
+    <p:extLst>
+      <p:ext uri="{BB962C8B-B14F-4D97-AF65-F5344CB8AC3E}">
+        <p14:creationId xmlns:p14="http://schemas.microsoft.com/office/powerpoint/2010/main" val="1159732731"/>
+      </p:ext>
+    </p:extLst>
+  </p:cSld>
+  <p:clrMapOvr>
+    <a:masterClrMapping/>
+  </p:clrMapOvr>
+</p:sld>
+</file>
+
+<file path=ppt/slides/slide5.xml><?xml version="1.0" encoding="utf-8"?>
+<p:sld xmlns:a="http://schemas.openxmlformats.org/drawingml/2006/main" xmlns:r="http://schemas.openxmlformats.org/officeDocument/2006/relationships" xmlns:p="http://schemas.openxmlformats.org/presentationml/2006/main">
+  <p:cSld>
+    <p:spTree>
+      <p:nvGrpSpPr>
+        <p:cNvPr id="1" name=""/>
+        <p:cNvGrpSpPr/>
+        <p:nvPr/>
+      </p:nvGrpSpPr>
+      <p:grpSpPr>
+        <a:xfrm>
+          <a:off x="0" y="0"/>
+          <a:ext cx="0" cy="0"/>
+          <a:chOff x="0" y="0"/>
+          <a:chExt cx="0" cy="0"/>
+        </a:xfrm>
+      </p:grpSpPr>
+      <p:sp>
+        <p:nvSpPr>
+          <p:cNvPr id="4" name="Textfeld 3">
+            <a:extLst>
+              <a:ext uri="{FF2B5EF4-FFF2-40B4-BE49-F238E27FC236}">
+                <a16:creationId xmlns:a16="http://schemas.microsoft.com/office/drawing/2014/main" id="{FCF3207A-A44B-4534-8EB6-8157AE90E4C4}"/>
+              </a:ext>
+            </a:extLst>
+          </p:cNvPr>
+          <p:cNvSpPr txBox="1"/>
+          <p:nvPr/>
+        </p:nvSpPr>
+        <p:spPr>
+          <a:xfrm>
+            <a:off x="1892605" y="2767280"/>
+            <a:ext cx="8406789" cy="1323439"/>
+          </a:xfrm>
+          <a:prstGeom prst="rect">
+            <a:avLst/>
+          </a:prstGeom>
+          <a:noFill/>
+        </p:spPr>
+        <p:txBody>
+          <a:bodyPr wrap="none" rtlCol="0">
+            <a:spAutoFit/>
+          </a:bodyPr>
+          <a:lstStyle/>
+          <a:p>
+            <a:r>
+              <a:rPr lang="de-DE" sz="4000" dirty="0"/>
+              <a:t>Unterwassserdrohne zur automatisierten </a:t>
+            </a:r>
+          </a:p>
+          <a:p>
+            <a:r>
+              <a:rPr lang="de-DE" sz="4000" dirty="0"/>
+              <a:t>Ernte und Aussaat von Algen </a:t>
+            </a:r>
+          </a:p>
+        </p:txBody>
+      </p:sp>
+    </p:spTree>
+    <p:extLst>
+      <p:ext uri="{BB962C8B-B14F-4D97-AF65-F5344CB8AC3E}">
+        <p14:creationId xmlns:p14="http://schemas.microsoft.com/office/powerpoint/2010/main" val="1250050528"/>
+      </p:ext>
+    </p:extLst>
+  </p:cSld>
+  <p:clrMapOvr>
+    <a:masterClrMapping/>
+  </p:clrMapOvr>
+</p:sld>
+</file>
+
+<file path=ppt/slides/slide6.xml><?xml version="1.0" encoding="utf-8"?>
+<p:sld xmlns:a="http://schemas.openxmlformats.org/drawingml/2006/main" xmlns:r="http://schemas.openxmlformats.org/officeDocument/2006/relationships" xmlns:p="http://schemas.openxmlformats.org/presentationml/2006/main">
+  <p:cSld>
+    <p:spTree>
+      <p:nvGrpSpPr>
+        <p:cNvPr id="1" name=""/>
+        <p:cNvGrpSpPr/>
+        <p:nvPr/>
+      </p:nvGrpSpPr>
+      <p:grpSpPr>
+        <a:xfrm>
+          <a:off x="0" y="0"/>
+          <a:ext cx="0" cy="0"/>
+          <a:chOff x="0" y="0"/>
+          <a:chExt cx="0" cy="0"/>
+        </a:xfrm>
+      </p:grpSpPr>
+      <p:sp>
+        <p:nvSpPr>
+          <p:cNvPr id="4" name="Textfeld 3">
+            <a:extLst>
+              <a:ext uri="{FF2B5EF4-FFF2-40B4-BE49-F238E27FC236}">
+                <a16:creationId xmlns:a16="http://schemas.microsoft.com/office/drawing/2014/main" id="{FCF3207A-A44B-4534-8EB6-8157AE90E4C4}"/>
+              </a:ext>
+            </a:extLst>
+          </p:cNvPr>
+          <p:cNvSpPr txBox="1"/>
+          <p:nvPr/>
+        </p:nvSpPr>
+        <p:spPr>
+          <a:xfrm>
+            <a:off x="1892605" y="2767280"/>
+            <a:ext cx="5581977" cy="707886"/>
+          </a:xfrm>
+          <a:prstGeom prst="rect">
+            <a:avLst/>
+          </a:prstGeom>
+          <a:noFill/>
+        </p:spPr>
+        <p:txBody>
+          <a:bodyPr wrap="none" rtlCol="0">
+            <a:spAutoFit/>
+          </a:bodyPr>
+          <a:lstStyle/>
+          <a:p>
+            <a:r>
+              <a:rPr lang="de-DE" sz="4000" dirty="0"/>
+              <a:t>Kreativität (sofern sinnvoll)</a:t>
+            </a:r>
+          </a:p>
+        </p:txBody>
+      </p:sp>
+    </p:spTree>
+    <p:extLst>
+      <p:ext uri="{BB962C8B-B14F-4D97-AF65-F5344CB8AC3E}">
+        <p14:creationId xmlns:p14="http://schemas.microsoft.com/office/powerpoint/2010/main" val="2709111880"/>
+      </p:ext>
+    </p:extLst>
+  </p:cSld>
+  <p:clrMapOvr>
+    <a:masterClrMapping/>
+  </p:clrMapOvr>
+</p:sld>
+</file>
+
+<file path=ppt/slides/slide7.xml><?xml version="1.0" encoding="utf-8"?>
+<p:sld xmlns:a="http://schemas.openxmlformats.org/drawingml/2006/main" xmlns:r="http://schemas.openxmlformats.org/officeDocument/2006/relationships" xmlns:p="http://schemas.openxmlformats.org/presentationml/2006/main">
+  <p:cSld>
+    <p:spTree>
+      <p:nvGrpSpPr>
+        <p:cNvPr id="1" name=""/>
+        <p:cNvGrpSpPr/>
+        <p:nvPr/>
+      </p:nvGrpSpPr>
+      <p:grpSpPr>
+        <a:xfrm>
+          <a:off x="0" y="0"/>
+          <a:ext cx="0" cy="0"/>
+          <a:chOff x="0" y="0"/>
+          <a:chExt cx="0" cy="0"/>
+        </a:xfrm>
+      </p:grpSpPr>
+      <p:sp>
+        <p:nvSpPr>
+          <p:cNvPr id="4" name="Textfeld 3">
+            <a:extLst>
+              <a:ext uri="{FF2B5EF4-FFF2-40B4-BE49-F238E27FC236}">
+                <a16:creationId xmlns:a16="http://schemas.microsoft.com/office/drawing/2014/main" id="{FCF3207A-A44B-4534-8EB6-8157AE90E4C4}"/>
+              </a:ext>
+            </a:extLst>
+          </p:cNvPr>
+          <p:cNvSpPr txBox="1"/>
+          <p:nvPr/>
+        </p:nvSpPr>
+        <p:spPr>
+          <a:xfrm>
+            <a:off x="359080" y="389066"/>
+            <a:ext cx="2836802" cy="707886"/>
+          </a:xfrm>
+          <a:prstGeom prst="rect">
+            <a:avLst/>
+          </a:prstGeom>
+          <a:noFill/>
+        </p:spPr>
+        <p:txBody>
+          <a:bodyPr wrap="none" rtlCol="0">
+            <a:spAutoFit/>
+          </a:bodyPr>
+          <a:lstStyle/>
+          <a:p>
+            <a:r>
+              <a:rPr lang="de-DE" sz="4000" dirty="0"/>
+              <a:t>Morph Box 1</a:t>
+            </a:r>
+          </a:p>
+        </p:txBody>
+      </p:sp>
+      <p:pic>
+        <p:nvPicPr>
+          <p:cNvPr id="3" name="Grafik 2">
+            <a:extLst>
+              <a:ext uri="{FF2B5EF4-FFF2-40B4-BE49-F238E27FC236}">
+                <a16:creationId xmlns:a16="http://schemas.microsoft.com/office/drawing/2014/main" id="{AC0C2ACA-8A11-40E7-BABC-C50E1372EF52}"/>
+              </a:ext>
+            </a:extLst>
+          </p:cNvPr>
+          <p:cNvPicPr>
+            <a:picLocks noChangeAspect="1"/>
+          </p:cNvPicPr>
+          <p:nvPr/>
+        </p:nvPicPr>
+        <p:blipFill>
+          <a:blip r:embed="rId2">
+            <a:extLst>
+              <a:ext uri="{28A0092B-C50C-407E-A947-70E740481C1C}">
+                <a14:useLocalDpi xmlns:a14="http://schemas.microsoft.com/office/drawing/2010/main" val="0"/>
+              </a:ext>
+            </a:extLst>
+          </a:blip>
+          <a:stretch>
+            <a:fillRect/>
+          </a:stretch>
+        </p:blipFill>
+        <p:spPr>
+          <a:xfrm>
+            <a:off x="4467225" y="389066"/>
+            <a:ext cx="7136278" cy="6172200"/>
+          </a:xfrm>
+          <a:prstGeom prst="rect">
+            <a:avLst/>
+          </a:prstGeom>
+        </p:spPr>
+      </p:pic>
+    </p:spTree>
+    <p:extLst>
+      <p:ext uri="{BB962C8B-B14F-4D97-AF65-F5344CB8AC3E}">
+        <p14:creationId xmlns:p14="http://schemas.microsoft.com/office/powerpoint/2010/main" val="1943415784"/>
+      </p:ext>
+    </p:extLst>
+  </p:cSld>
+  <p:clrMapOvr>
+    <a:masterClrMapping/>
+  </p:clrMapOvr>
+</p:sld>
+</file>
+
+<file path=ppt/slides/slide8.xml><?xml version="1.0" encoding="utf-8"?>
+<p:sld xmlns:a="http://schemas.openxmlformats.org/drawingml/2006/main" xmlns:r="http://schemas.openxmlformats.org/officeDocument/2006/relationships" xmlns:p="http://schemas.openxmlformats.org/presentationml/2006/main">
+  <p:cSld>
+    <p:spTree>
+      <p:nvGrpSpPr>
+        <p:cNvPr id="1" name=""/>
+        <p:cNvGrpSpPr/>
+        <p:nvPr/>
+      </p:nvGrpSpPr>
+      <p:grpSpPr>
+        <a:xfrm>
+          <a:off x="0" y="0"/>
+          <a:ext cx="0" cy="0"/>
+          <a:chOff x="0" y="0"/>
+          <a:chExt cx="0" cy="0"/>
+        </a:xfrm>
+      </p:grpSpPr>
+      <p:sp>
+        <p:nvSpPr>
+          <p:cNvPr id="4" name="Textfeld 3">
+            <a:extLst>
+              <a:ext uri="{FF2B5EF4-FFF2-40B4-BE49-F238E27FC236}">
+                <a16:creationId xmlns:a16="http://schemas.microsoft.com/office/drawing/2014/main" id="{FCF3207A-A44B-4534-8EB6-8157AE90E4C4}"/>
+              </a:ext>
+            </a:extLst>
+          </p:cNvPr>
+          <p:cNvSpPr txBox="1"/>
+          <p:nvPr/>
+        </p:nvSpPr>
+        <p:spPr>
+          <a:xfrm>
+            <a:off x="511480" y="452705"/>
+            <a:ext cx="2836802" cy="707886"/>
+          </a:xfrm>
+          <a:prstGeom prst="rect">
+            <a:avLst/>
+          </a:prstGeom>
+          <a:noFill/>
+        </p:spPr>
+        <p:txBody>
+          <a:bodyPr wrap="none" rtlCol="0">
+            <a:spAutoFit/>
+          </a:bodyPr>
+          <a:lstStyle/>
+          <a:p>
+            <a:r>
+              <a:rPr lang="de-DE" sz="4000" dirty="0"/>
+              <a:t>Morph Box 1</a:t>
+            </a:r>
+          </a:p>
+        </p:txBody>
+      </p:sp>
+      <p:pic>
+        <p:nvPicPr>
+          <p:cNvPr id="5" name="Grafik 4">
+            <a:extLst>
+              <a:ext uri="{FF2B5EF4-FFF2-40B4-BE49-F238E27FC236}">
+                <a16:creationId xmlns:a16="http://schemas.microsoft.com/office/drawing/2014/main" id="{6592ABC7-5478-44A3-8D8F-271291F19E8C}"/>
+              </a:ext>
+            </a:extLst>
+          </p:cNvPr>
+          <p:cNvPicPr>
+            <a:picLocks noChangeAspect="1"/>
+          </p:cNvPicPr>
+          <p:nvPr/>
+        </p:nvPicPr>
+        <p:blipFill>
+          <a:blip r:embed="rId2">
+            <a:extLst>
+              <a:ext uri="{28A0092B-C50C-407E-A947-70E740481C1C}">
+                <a14:useLocalDpi xmlns:a14="http://schemas.microsoft.com/office/drawing/2010/main" val="0"/>
+              </a:ext>
+            </a:extLst>
+          </a:blip>
+          <a:stretch>
+            <a:fillRect/>
+          </a:stretch>
+        </p:blipFill>
+        <p:spPr>
+          <a:xfrm>
+            <a:off x="4729407" y="368364"/>
+            <a:ext cx="7019312" cy="6121272"/>
+          </a:xfrm>
+          <a:prstGeom prst="rect">
+            <a:avLst/>
+          </a:prstGeom>
+        </p:spPr>
+      </p:pic>
+    </p:spTree>
+    <p:extLst>
+      <p:ext uri="{BB962C8B-B14F-4D97-AF65-F5344CB8AC3E}">
+        <p14:creationId xmlns:p14="http://schemas.microsoft.com/office/powerpoint/2010/main" val="1676844202"/>
+      </p:ext>
+    </p:extLst>
+  </p:cSld>
+  <p:clrMapOvr>
+    <a:masterClrMapping/>
+  </p:clrMapOvr>
+</p:sld>
+</file>
+
+<file path=ppt/slides/slide9.xml><?xml version="1.0" encoding="utf-8"?>
+<p:sld xmlns:a="http://schemas.openxmlformats.org/drawingml/2006/main" xmlns:r="http://schemas.openxmlformats.org/officeDocument/2006/relationships" xmlns:p="http://schemas.openxmlformats.org/presentationml/2006/main">
+  <p:cSld>
+    <p:spTree>
+      <p:nvGrpSpPr>
+        <p:cNvPr id="1" name=""/>
+        <p:cNvGrpSpPr/>
+        <p:nvPr/>
+      </p:nvGrpSpPr>
+      <p:grpSpPr>
+        <a:xfrm>
+          <a:off x="0" y="0"/>
+          <a:ext cx="0" cy="0"/>
+          <a:chOff x="0" y="0"/>
+          <a:chExt cx="0" cy="0"/>
+        </a:xfrm>
+      </p:grpSpPr>
+      <p:sp>
+        <p:nvSpPr>
+          <p:cNvPr id="4" name="Textfeld 3">
+            <a:extLst>
+              <a:ext uri="{FF2B5EF4-FFF2-40B4-BE49-F238E27FC236}">
+                <a16:creationId xmlns:a16="http://schemas.microsoft.com/office/drawing/2014/main" id="{FCF3207A-A44B-4534-8EB6-8157AE90E4C4}"/>
+              </a:ext>
+            </a:extLst>
+          </p:cNvPr>
+          <p:cNvSpPr txBox="1"/>
+          <p:nvPr/>
+        </p:nvSpPr>
+        <p:spPr>
+          <a:xfrm>
+            <a:off x="1431498" y="2721114"/>
+            <a:ext cx="5400196" cy="707886"/>
+          </a:xfrm>
+          <a:prstGeom prst="rect">
+            <a:avLst/>
+          </a:prstGeom>
+          <a:noFill/>
+        </p:spPr>
+        <p:txBody>
+          <a:bodyPr wrap="none" rtlCol="0">
+            <a:spAutoFit/>
+          </a:bodyPr>
+          <a:lstStyle/>
+          <a:p>
+            <a:r>
+              <a:rPr lang="de-DE" sz="4000" b="1" dirty="0"/>
+              <a:t>Variation der Gestaltung</a:t>
+            </a:r>
+          </a:p>
+        </p:txBody>
+      </p:sp>
+    </p:spTree>
+    <p:extLst>
+      <p:ext uri="{BB962C8B-B14F-4D97-AF65-F5344CB8AC3E}">
+        <p14:creationId xmlns:p14="http://schemas.microsoft.com/office/powerpoint/2010/main" val="3829770429"/>
       </p:ext>
     </p:extLst>
   </p:cSld>

--- a/Meilenstein 3/Präsentation/Präsentation MS3.pptx
+++ b/Meilenstein 3/Präsentation/Präsentation MS3.pptx
@@ -4125,12 +4125,48 @@
           </a:p>
         </p:txBody>
       </p:sp>
+      <p:sp>
+        <p:nvSpPr>
+          <p:cNvPr id="7" name="Textfeld 6">
+            <a:extLst>
+              <a:ext uri="{FF2B5EF4-FFF2-40B4-BE49-F238E27FC236}">
+                <a16:creationId xmlns:a16="http://schemas.microsoft.com/office/drawing/2014/main" id="{7E7218E4-1BB5-4B17-9528-7BE6939F84B5}"/>
+              </a:ext>
+            </a:extLst>
+          </p:cNvPr>
+          <p:cNvSpPr txBox="1"/>
+          <p:nvPr/>
+        </p:nvSpPr>
+        <p:spPr>
+          <a:xfrm>
+            <a:off x="750277" y="461108"/>
+            <a:ext cx="2508738" cy="369332"/>
+          </a:xfrm>
+          <a:prstGeom prst="rect">
+            <a:avLst/>
+          </a:prstGeom>
+          <a:noFill/>
+        </p:spPr>
+        <p:txBody>
+          <a:bodyPr wrap="square" rtlCol="0">
+            <a:spAutoFit/>
+          </a:bodyPr>
+          <a:lstStyle/>
+          <a:p>
+            <a:r>
+              <a:rPr lang="de-DE" dirty="0" err="1"/>
+              <a:t>Bewertungskrierien</a:t>
+            </a:r>
+            <a:endParaRPr lang="de-DE" dirty="0"/>
+          </a:p>
+        </p:txBody>
+      </p:sp>
       <p:pic>
         <p:nvPicPr>
-          <p:cNvPr id="5" name="Grafik 4">
+          <p:cNvPr id="8" name="Grafik 7">
             <a:extLst>
               <a:ext uri="{FF2B5EF4-FFF2-40B4-BE49-F238E27FC236}">
-                <a16:creationId xmlns:a16="http://schemas.microsoft.com/office/drawing/2014/main" id="{605F3548-F5CA-448B-8E93-C4F052021DB0}"/>
+                <a16:creationId xmlns:a16="http://schemas.microsoft.com/office/drawing/2014/main" id="{E0C3492D-F720-4E24-A271-4D31E8237618}"/>
               </a:ext>
             </a:extLst>
           </p:cNvPr>
@@ -4140,57 +4176,27 @@
           <p:nvPr/>
         </p:nvPicPr>
         <p:blipFill>
-          <a:blip r:embed="rId2"/>
+          <a:blip r:embed="rId2">
+            <a:extLst>
+              <a:ext uri="{28A0092B-C50C-407E-A947-70E740481C1C}">
+                <a14:useLocalDpi xmlns:a14="http://schemas.microsoft.com/office/drawing/2010/main" val="0"/>
+              </a:ext>
+            </a:extLst>
+          </a:blip>
           <a:stretch>
             <a:fillRect/>
           </a:stretch>
         </p:blipFill>
         <p:spPr>
           <a:xfrm>
-            <a:off x="2618154" y="1473684"/>
-            <a:ext cx="8797558" cy="4946165"/>
+            <a:off x="2542055" y="1000707"/>
+            <a:ext cx="8964145" cy="4856585"/>
           </a:xfrm>
           <a:prstGeom prst="rect">
             <a:avLst/>
           </a:prstGeom>
         </p:spPr>
       </p:pic>
-      <p:sp>
-        <p:nvSpPr>
-          <p:cNvPr id="7" name="Textfeld 6">
-            <a:extLst>
-              <a:ext uri="{FF2B5EF4-FFF2-40B4-BE49-F238E27FC236}">
-                <a16:creationId xmlns:a16="http://schemas.microsoft.com/office/drawing/2014/main" id="{7E7218E4-1BB5-4B17-9528-7BE6939F84B5}"/>
-              </a:ext>
-            </a:extLst>
-          </p:cNvPr>
-          <p:cNvSpPr txBox="1"/>
-          <p:nvPr/>
-        </p:nvSpPr>
-        <p:spPr>
-          <a:xfrm>
-            <a:off x="750277" y="461108"/>
-            <a:ext cx="2508738" cy="369332"/>
-          </a:xfrm>
-          <a:prstGeom prst="rect">
-            <a:avLst/>
-          </a:prstGeom>
-          <a:noFill/>
-        </p:spPr>
-        <p:txBody>
-          <a:bodyPr wrap="square" rtlCol="0">
-            <a:spAutoFit/>
-          </a:bodyPr>
-          <a:lstStyle/>
-          <a:p>
-            <a:r>
-              <a:rPr lang="de-DE" dirty="0" err="1"/>
-              <a:t>Bewertungskrierien</a:t>
-            </a:r>
-            <a:endParaRPr lang="de-DE" dirty="0"/>
-          </a:p>
-        </p:txBody>
-      </p:sp>
     </p:spTree>
     <p:extLst>
       <p:ext uri="{BB962C8B-B14F-4D97-AF65-F5344CB8AC3E}">
@@ -4599,16 +4605,53 @@
           </a:p>
         </p:txBody>
       </p:sp>
-      <p:pic>
-        <p:nvPicPr>
-          <p:cNvPr id="7" name="Grafik 6">
+      <p:sp>
+        <p:nvSpPr>
+          <p:cNvPr id="3" name="Textfeld 2">
             <a:extLst>
               <a:ext uri="{FF2B5EF4-FFF2-40B4-BE49-F238E27FC236}">
-                <a16:creationId xmlns:a16="http://schemas.microsoft.com/office/drawing/2014/main" id="{E9E29127-7A43-446F-B9B3-54ABBF9C2113}"/>
+                <a16:creationId xmlns:a16="http://schemas.microsoft.com/office/drawing/2014/main" id="{8FDDC34F-E2A0-4536-BAD1-4272690B86C1}"/>
               </a:ext>
             </a:extLst>
           </p:cNvPr>
-          <p:cNvPicPr/>
+          <p:cNvSpPr txBox="1"/>
+          <p:nvPr/>
+        </p:nvSpPr>
+        <p:spPr>
+          <a:xfrm>
+            <a:off x="850790" y="365760"/>
+            <a:ext cx="4007457" cy="369332"/>
+          </a:xfrm>
+          <a:prstGeom prst="rect">
+            <a:avLst/>
+          </a:prstGeom>
+          <a:noFill/>
+        </p:spPr>
+        <p:txBody>
+          <a:bodyPr wrap="square" rtlCol="0">
+            <a:spAutoFit/>
+          </a:bodyPr>
+          <a:lstStyle/>
+          <a:p>
+            <a:r>
+              <a:rPr lang="de-DE" dirty="0"/>
+              <a:t>Produktarchitektur</a:t>
+            </a:r>
+          </a:p>
+        </p:txBody>
+      </p:sp>
+      <p:pic>
+        <p:nvPicPr>
+          <p:cNvPr id="5" name="Grafik 4">
+            <a:extLst>
+              <a:ext uri="{FF2B5EF4-FFF2-40B4-BE49-F238E27FC236}">
+                <a16:creationId xmlns:a16="http://schemas.microsoft.com/office/drawing/2014/main" id="{D84496FA-2705-47C2-9A55-906A599CD57E}"/>
+              </a:ext>
+            </a:extLst>
+          </p:cNvPr>
+          <p:cNvPicPr>
+            <a:picLocks noChangeAspect="1"/>
+          </p:cNvPicPr>
           <p:nvPr/>
         </p:nvPicPr>
         <p:blipFill>
@@ -4619,60 +4662,20 @@
               </a:ext>
             </a:extLst>
           </a:blip>
-          <a:srcRect/>
           <a:stretch>
             <a:fillRect/>
           </a:stretch>
         </p:blipFill>
-        <p:spPr bwMode="auto">
-          <a:xfrm>
-            <a:off x="1093167" y="1113183"/>
-            <a:ext cx="9670083" cy="5640042"/>
+        <p:spPr>
+          <a:xfrm>
+            <a:off x="3000809" y="179179"/>
+            <a:ext cx="6190381" cy="6499642"/>
           </a:xfrm>
           <a:prstGeom prst="rect">
             <a:avLst/>
           </a:prstGeom>
-          <a:noFill/>
-          <a:ln>
-            <a:noFill/>
-          </a:ln>
         </p:spPr>
       </p:pic>
-      <p:sp>
-        <p:nvSpPr>
-          <p:cNvPr id="3" name="Textfeld 2">
-            <a:extLst>
-              <a:ext uri="{FF2B5EF4-FFF2-40B4-BE49-F238E27FC236}">
-                <a16:creationId xmlns:a16="http://schemas.microsoft.com/office/drawing/2014/main" id="{8FDDC34F-E2A0-4536-BAD1-4272690B86C1}"/>
-              </a:ext>
-            </a:extLst>
-          </p:cNvPr>
-          <p:cNvSpPr txBox="1"/>
-          <p:nvPr/>
-        </p:nvSpPr>
-        <p:spPr>
-          <a:xfrm>
-            <a:off x="850790" y="365760"/>
-            <a:ext cx="4007457" cy="369332"/>
-          </a:xfrm>
-          <a:prstGeom prst="rect">
-            <a:avLst/>
-          </a:prstGeom>
-          <a:noFill/>
-        </p:spPr>
-        <p:txBody>
-          <a:bodyPr wrap="square" rtlCol="0">
-            <a:spAutoFit/>
-          </a:bodyPr>
-          <a:lstStyle/>
-          <a:p>
-            <a:r>
-              <a:rPr lang="de-DE" dirty="0"/>
-              <a:t>Produktarchitektur</a:t>
-            </a:r>
-          </a:p>
-        </p:txBody>
-      </p:sp>
     </p:spTree>
     <p:extLst>
       <p:ext uri="{BB962C8B-B14F-4D97-AF65-F5344CB8AC3E}">

--- a/Meilenstein 3/Präsentation/Präsentation MS3.pptx
+++ b/Meilenstein 3/Präsentation/Präsentation MS3.pptx
@@ -4125,6 +4125,36 @@
           </a:p>
         </p:txBody>
       </p:sp>
+      <p:pic>
+        <p:nvPicPr>
+          <p:cNvPr id="5" name="Grafik 4">
+            <a:extLst>
+              <a:ext uri="{FF2B5EF4-FFF2-40B4-BE49-F238E27FC236}">
+                <a16:creationId xmlns:a16="http://schemas.microsoft.com/office/drawing/2014/main" id="{605F3548-F5CA-448B-8E93-C4F052021DB0}"/>
+              </a:ext>
+            </a:extLst>
+          </p:cNvPr>
+          <p:cNvPicPr>
+            <a:picLocks noChangeAspect="1"/>
+          </p:cNvPicPr>
+          <p:nvPr/>
+        </p:nvPicPr>
+        <p:blipFill>
+          <a:blip r:embed="rId2"/>
+          <a:stretch>
+            <a:fillRect/>
+          </a:stretch>
+        </p:blipFill>
+        <p:spPr>
+          <a:xfrm>
+            <a:off x="2618154" y="1473684"/>
+            <a:ext cx="8797558" cy="4946165"/>
+          </a:xfrm>
+          <a:prstGeom prst="rect">
+            <a:avLst/>
+          </a:prstGeom>
+        </p:spPr>
+      </p:pic>
       <p:sp>
         <p:nvSpPr>
           <p:cNvPr id="7" name="Textfeld 6">
@@ -4161,42 +4191,6 @@
           </a:p>
         </p:txBody>
       </p:sp>
-      <p:pic>
-        <p:nvPicPr>
-          <p:cNvPr id="8" name="Grafik 7">
-            <a:extLst>
-              <a:ext uri="{FF2B5EF4-FFF2-40B4-BE49-F238E27FC236}">
-                <a16:creationId xmlns:a16="http://schemas.microsoft.com/office/drawing/2014/main" id="{E0C3492D-F720-4E24-A271-4D31E8237618}"/>
-              </a:ext>
-            </a:extLst>
-          </p:cNvPr>
-          <p:cNvPicPr>
-            <a:picLocks noChangeAspect="1"/>
-          </p:cNvPicPr>
-          <p:nvPr/>
-        </p:nvPicPr>
-        <p:blipFill>
-          <a:blip r:embed="rId2">
-            <a:extLst>
-              <a:ext uri="{28A0092B-C50C-407E-A947-70E740481C1C}">
-                <a14:useLocalDpi xmlns:a14="http://schemas.microsoft.com/office/drawing/2010/main" val="0"/>
-              </a:ext>
-            </a:extLst>
-          </a:blip>
-          <a:stretch>
-            <a:fillRect/>
-          </a:stretch>
-        </p:blipFill>
-        <p:spPr>
-          <a:xfrm>
-            <a:off x="2542055" y="1000707"/>
-            <a:ext cx="8964145" cy="4856585"/>
-          </a:xfrm>
-          <a:prstGeom prst="rect">
-            <a:avLst/>
-          </a:prstGeom>
-        </p:spPr>
-      </p:pic>
     </p:spTree>
     <p:extLst>
       <p:ext uri="{BB962C8B-B14F-4D97-AF65-F5344CB8AC3E}">
@@ -4605,53 +4599,16 @@
           </a:p>
         </p:txBody>
       </p:sp>
-      <p:sp>
-        <p:nvSpPr>
-          <p:cNvPr id="3" name="Textfeld 2">
+      <p:pic>
+        <p:nvPicPr>
+          <p:cNvPr id="7" name="Grafik 6">
             <a:extLst>
               <a:ext uri="{FF2B5EF4-FFF2-40B4-BE49-F238E27FC236}">
-                <a16:creationId xmlns:a16="http://schemas.microsoft.com/office/drawing/2014/main" id="{8FDDC34F-E2A0-4536-BAD1-4272690B86C1}"/>
+                <a16:creationId xmlns:a16="http://schemas.microsoft.com/office/drawing/2014/main" id="{E9E29127-7A43-446F-B9B3-54ABBF9C2113}"/>
               </a:ext>
             </a:extLst>
           </p:cNvPr>
-          <p:cNvSpPr txBox="1"/>
-          <p:nvPr/>
-        </p:nvSpPr>
-        <p:spPr>
-          <a:xfrm>
-            <a:off x="850790" y="365760"/>
-            <a:ext cx="4007457" cy="369332"/>
-          </a:xfrm>
-          <a:prstGeom prst="rect">
-            <a:avLst/>
-          </a:prstGeom>
-          <a:noFill/>
-        </p:spPr>
-        <p:txBody>
-          <a:bodyPr wrap="square" rtlCol="0">
-            <a:spAutoFit/>
-          </a:bodyPr>
-          <a:lstStyle/>
-          <a:p>
-            <a:r>
-              <a:rPr lang="de-DE" dirty="0"/>
-              <a:t>Produktarchitektur</a:t>
-            </a:r>
-          </a:p>
-        </p:txBody>
-      </p:sp>
-      <p:pic>
-        <p:nvPicPr>
-          <p:cNvPr id="5" name="Grafik 4">
-            <a:extLst>
-              <a:ext uri="{FF2B5EF4-FFF2-40B4-BE49-F238E27FC236}">
-                <a16:creationId xmlns:a16="http://schemas.microsoft.com/office/drawing/2014/main" id="{D84496FA-2705-47C2-9A55-906A599CD57E}"/>
-              </a:ext>
-            </a:extLst>
-          </p:cNvPr>
-          <p:cNvPicPr>
-            <a:picLocks noChangeAspect="1"/>
-          </p:cNvPicPr>
+          <p:cNvPicPr/>
           <p:nvPr/>
         </p:nvPicPr>
         <p:blipFill>
@@ -4662,20 +4619,60 @@
               </a:ext>
             </a:extLst>
           </a:blip>
+          <a:srcRect/>
           <a:stretch>
             <a:fillRect/>
           </a:stretch>
         </p:blipFill>
-        <p:spPr>
-          <a:xfrm>
-            <a:off x="3000809" y="179179"/>
-            <a:ext cx="6190381" cy="6499642"/>
+        <p:spPr bwMode="auto">
+          <a:xfrm>
+            <a:off x="1093167" y="1113183"/>
+            <a:ext cx="9670083" cy="5640042"/>
           </a:xfrm>
           <a:prstGeom prst="rect">
             <a:avLst/>
           </a:prstGeom>
+          <a:noFill/>
+          <a:ln>
+            <a:noFill/>
+          </a:ln>
         </p:spPr>
       </p:pic>
+      <p:sp>
+        <p:nvSpPr>
+          <p:cNvPr id="3" name="Textfeld 2">
+            <a:extLst>
+              <a:ext uri="{FF2B5EF4-FFF2-40B4-BE49-F238E27FC236}">
+                <a16:creationId xmlns:a16="http://schemas.microsoft.com/office/drawing/2014/main" id="{8FDDC34F-E2A0-4536-BAD1-4272690B86C1}"/>
+              </a:ext>
+            </a:extLst>
+          </p:cNvPr>
+          <p:cNvSpPr txBox="1"/>
+          <p:nvPr/>
+        </p:nvSpPr>
+        <p:spPr>
+          <a:xfrm>
+            <a:off x="850790" y="365760"/>
+            <a:ext cx="4007457" cy="369332"/>
+          </a:xfrm>
+          <a:prstGeom prst="rect">
+            <a:avLst/>
+          </a:prstGeom>
+          <a:noFill/>
+        </p:spPr>
+        <p:txBody>
+          <a:bodyPr wrap="square" rtlCol="0">
+            <a:spAutoFit/>
+          </a:bodyPr>
+          <a:lstStyle/>
+          <a:p>
+            <a:r>
+              <a:rPr lang="de-DE" dirty="0"/>
+              <a:t>Produktarchitektur</a:t>
+            </a:r>
+          </a:p>
+        </p:txBody>
+      </p:sp>
     </p:spTree>
     <p:extLst>
       <p:ext uri="{BB962C8B-B14F-4D97-AF65-F5344CB8AC3E}">
